--- a/презентация на практику.pptx
+++ b/презентация на практику.pptx
@@ -3527,7 +3527,7 @@
               </a:spcAft>
             </a:pPr>
             <a:r>
-              <a:rPr lang="ru-RU" sz="1800" i="1" dirty="0">
+              <a:rPr lang="ru-RU" sz="1800" dirty="0">
                 <a:effectLst/>
                 <a:latin typeface="Times New Roman" panose="02020603050405020304" pitchFamily="18" charset="0"/>
                 <a:ea typeface="Calibri" panose="020F0502020204030204" pitchFamily="34" charset="0"/>
@@ -3536,7 +3536,7 @@
               <a:t>Рисунок 8 </a:t>
             </a:r>
             <a:r>
-              <a:rPr lang="ru-RU" sz="1800" i="1" dirty="0">
+              <a:rPr lang="ru-RU" sz="1800" dirty="0">
                 <a:effectLst/>
                 <a:latin typeface="Times New Roman" panose="02020603050405020304" pitchFamily="18" charset="0"/>
                 <a:ea typeface="Times New Roman" panose="02020603050405020304" pitchFamily="18" charset="0"/>
@@ -3545,7 +3545,7 @@
               <a:t>–</a:t>
             </a:r>
             <a:r>
-              <a:rPr lang="ru-RU" sz="1800" i="1" dirty="0">
+              <a:rPr lang="ru-RU" sz="1800" dirty="0">
                 <a:effectLst/>
                 <a:latin typeface="Times New Roman" panose="02020603050405020304" pitchFamily="18" charset="0"/>
                 <a:ea typeface="Calibri" panose="020F0502020204030204" pitchFamily="34" charset="0"/>
@@ -3553,12 +3553,6 @@
               </a:rPr>
               <a:t> Обработанный спектр кластера 5а.</a:t>
             </a:r>
-            <a:endParaRPr lang="ru-RU" sz="1800" dirty="0">
-              <a:effectLst/>
-              <a:latin typeface="Times New Roman" panose="02020603050405020304" pitchFamily="18" charset="0"/>
-              <a:ea typeface="Calibri" panose="020F0502020204030204" pitchFamily="34" charset="0"/>
-              <a:cs typeface="Times New Roman" panose="02020603050405020304" pitchFamily="18" charset="0"/>
-            </a:endParaRPr>
           </a:p>
         </p:txBody>
       </p:sp>
@@ -3599,7 +3593,7 @@
               </a:spcAft>
             </a:pPr>
             <a:r>
-              <a:rPr lang="ru-RU" sz="1800" i="1" dirty="0">
+              <a:rPr lang="ru-RU" sz="1800" dirty="0">
                 <a:effectLst/>
                 <a:latin typeface="Times New Roman" panose="02020603050405020304" pitchFamily="18" charset="0"/>
                 <a:ea typeface="Calibri" panose="020F0502020204030204" pitchFamily="34" charset="0"/>
@@ -3608,7 +3602,7 @@
               <a:t>Рисунок 9 </a:t>
             </a:r>
             <a:r>
-              <a:rPr lang="ru-RU" sz="1800" i="1" dirty="0">
+              <a:rPr lang="ru-RU" sz="1800" dirty="0">
                 <a:effectLst/>
                 <a:latin typeface="Times New Roman" panose="02020603050405020304" pitchFamily="18" charset="0"/>
                 <a:ea typeface="Times New Roman" panose="02020603050405020304" pitchFamily="18" charset="0"/>
@@ -3617,7 +3611,7 @@
               <a:t>–</a:t>
             </a:r>
             <a:r>
-              <a:rPr lang="ru-RU" sz="1800" i="1" dirty="0">
+              <a:rPr lang="ru-RU" sz="1800" dirty="0">
                 <a:effectLst/>
                 <a:latin typeface="Times New Roman" panose="02020603050405020304" pitchFamily="18" charset="0"/>
                 <a:ea typeface="Calibri" panose="020F0502020204030204" pitchFamily="34" charset="0"/>
@@ -3625,12 +3619,6 @@
               </a:rPr>
               <a:t> Обработанный спектр кластера 6а.</a:t>
             </a:r>
-            <a:endParaRPr lang="ru-RU" sz="1800" dirty="0">
-              <a:effectLst/>
-              <a:latin typeface="Times New Roman" panose="02020603050405020304" pitchFamily="18" charset="0"/>
-              <a:ea typeface="Calibri" panose="020F0502020204030204" pitchFamily="34" charset="0"/>
-              <a:cs typeface="Times New Roman" panose="02020603050405020304" pitchFamily="18" charset="0"/>
-            </a:endParaRPr>
           </a:p>
         </p:txBody>
       </p:sp>
@@ -3671,7 +3659,7 @@
               </a:spcAft>
             </a:pPr>
             <a:r>
-              <a:rPr lang="ru-RU" sz="1800" i="1" dirty="0">
+              <a:rPr lang="ru-RU" sz="1800" dirty="0">
                 <a:effectLst/>
                 <a:latin typeface="Times New Roman" panose="02020603050405020304" pitchFamily="18" charset="0"/>
                 <a:ea typeface="Calibri" panose="020F0502020204030204" pitchFamily="34" charset="0"/>
@@ -3680,7 +3668,7 @@
               <a:t>Рисунок 10 </a:t>
             </a:r>
             <a:r>
-              <a:rPr lang="ru-RU" sz="1800" i="1" dirty="0">
+              <a:rPr lang="ru-RU" sz="1800" dirty="0">
                 <a:effectLst/>
                 <a:latin typeface="Times New Roman" panose="02020603050405020304" pitchFamily="18" charset="0"/>
                 <a:ea typeface="Times New Roman" panose="02020603050405020304" pitchFamily="18" charset="0"/>
@@ -3689,7 +3677,7 @@
               <a:t>–</a:t>
             </a:r>
             <a:r>
-              <a:rPr lang="ru-RU" sz="1800" i="1" dirty="0">
+              <a:rPr lang="ru-RU" sz="1800" dirty="0">
                 <a:effectLst/>
                 <a:latin typeface="Times New Roman" panose="02020603050405020304" pitchFamily="18" charset="0"/>
                 <a:ea typeface="Calibri" panose="020F0502020204030204" pitchFamily="34" charset="0"/>
@@ -3697,12 +3685,6 @@
               </a:rPr>
               <a:t> Обработанный спектр частицы 6в.</a:t>
             </a:r>
-            <a:endParaRPr lang="ru-RU" sz="1800" dirty="0">
-              <a:effectLst/>
-              <a:latin typeface="Times New Roman" panose="02020603050405020304" pitchFamily="18" charset="0"/>
-              <a:ea typeface="Calibri" panose="020F0502020204030204" pitchFamily="34" charset="0"/>
-              <a:cs typeface="Times New Roman" panose="02020603050405020304" pitchFamily="18" charset="0"/>
-            </a:endParaRPr>
           </a:p>
         </p:txBody>
       </p:sp>
@@ -3743,7 +3725,7 @@
               </a:spcAft>
             </a:pPr>
             <a:r>
-              <a:rPr lang="ru-RU" sz="1800" i="1" dirty="0">
+              <a:rPr lang="ru-RU" sz="1800" dirty="0">
                 <a:effectLst/>
                 <a:latin typeface="Times New Roman" panose="02020603050405020304" pitchFamily="18" charset="0"/>
                 <a:ea typeface="Calibri" panose="020F0502020204030204" pitchFamily="34" charset="0"/>
@@ -3752,7 +3734,7 @@
               <a:t>Рисунок 11 </a:t>
             </a:r>
             <a:r>
-              <a:rPr lang="ru-RU" sz="1800" i="1" dirty="0">
+              <a:rPr lang="ru-RU" sz="1800" dirty="0">
                 <a:effectLst/>
                 <a:latin typeface="Times New Roman" panose="02020603050405020304" pitchFamily="18" charset="0"/>
                 <a:ea typeface="Times New Roman" panose="02020603050405020304" pitchFamily="18" charset="0"/>
@@ -3761,7 +3743,7 @@
               <a:t>–</a:t>
             </a:r>
             <a:r>
-              <a:rPr lang="ru-RU" sz="1800" i="1" dirty="0">
+              <a:rPr lang="ru-RU" sz="1800" dirty="0">
                 <a:effectLst/>
                 <a:latin typeface="Times New Roman" panose="02020603050405020304" pitchFamily="18" charset="0"/>
                 <a:ea typeface="Calibri" panose="020F0502020204030204" pitchFamily="34" charset="0"/>
@@ -3769,12 +3751,6 @@
               </a:rPr>
               <a:t> Обработанный спектр кластера 6д.</a:t>
             </a:r>
-            <a:endParaRPr lang="ru-RU" sz="1800" dirty="0">
-              <a:effectLst/>
-              <a:latin typeface="Times New Roman" panose="02020603050405020304" pitchFamily="18" charset="0"/>
-              <a:ea typeface="Calibri" panose="020F0502020204030204" pitchFamily="34" charset="0"/>
-              <a:cs typeface="Times New Roman" panose="02020603050405020304" pitchFamily="18" charset="0"/>
-            </a:endParaRPr>
           </a:p>
         </p:txBody>
       </p:sp>
@@ -3950,7 +3926,7 @@
         <p:spPr>
           <a:xfrm>
             <a:off x="663075" y="1686790"/>
-            <a:ext cx="10167112" cy="2951064"/>
+            <a:ext cx="10167112" cy="2120068"/>
           </a:xfrm>
           <a:prstGeom prst="rect">
             <a:avLst/>
@@ -3976,7 +3952,55 @@
                 <a:latin typeface="Times New Roman" panose="02020603050405020304" pitchFamily="18" charset="0"/>
                 <a:ea typeface="Calibri" panose="020F0502020204030204" pitchFamily="34" charset="0"/>
               </a:rPr>
-              <a:t>Методом спектроскопии КРС была выявлена структурная неоднородность целевой фазы LMO</a:t>
+              <a:t>Исследована структура </a:t>
+            </a:r>
+            <a:r>
+              <a:rPr lang="en-US" sz="1800" dirty="0">
+                <a:effectLst/>
+                <a:latin typeface="Times New Roman" panose="02020603050405020304" pitchFamily="18" charset="0"/>
+                <a:ea typeface="Calibri" panose="020F0502020204030204" pitchFamily="34" charset="0"/>
+              </a:rPr>
+              <a:t>LMO</a:t>
+            </a:r>
+            <a:r>
+              <a:rPr lang="ru-RU" sz="1800" dirty="0">
+                <a:effectLst/>
+                <a:latin typeface="Times New Roman" panose="02020603050405020304" pitchFamily="18" charset="0"/>
+                <a:ea typeface="Calibri" panose="020F0502020204030204" pitchFamily="34" charset="0"/>
+              </a:rPr>
+              <a:t> методами спектроскопии комбинационного рассеяния света (КРС), выявлена структурная неоднородность целевой фазы </a:t>
+            </a:r>
+            <a:r>
+              <a:rPr lang="en-US" sz="1800" dirty="0">
+                <a:effectLst/>
+                <a:latin typeface="Times New Roman" panose="02020603050405020304" pitchFamily="18" charset="0"/>
+                <a:ea typeface="Calibri" panose="020F0502020204030204" pitchFamily="34" charset="0"/>
+              </a:rPr>
+              <a:t>LMO</a:t>
+            </a:r>
+            <a:r>
+              <a:rPr lang="ru-RU" sz="1800" dirty="0">
+                <a:effectLst/>
+                <a:latin typeface="Times New Roman" panose="02020603050405020304" pitchFamily="18" charset="0"/>
+                <a:ea typeface="Calibri" panose="020F0502020204030204" pitchFamily="34" charset="0"/>
+              </a:rPr>
+              <a:t>, выстроен дальнейший план изучения </a:t>
+            </a:r>
+            <a:r>
+              <a:rPr lang="en-US" sz="1800" dirty="0">
+                <a:effectLst/>
+                <a:latin typeface="Times New Roman" panose="02020603050405020304" pitchFamily="18" charset="0"/>
+                <a:ea typeface="Calibri" panose="020F0502020204030204" pitchFamily="34" charset="0"/>
+              </a:rPr>
+              <a:t>LMO</a:t>
+            </a:r>
+            <a:r>
+              <a:rPr lang="ru-RU" sz="1800" dirty="0">
+                <a:effectLst/>
+                <a:latin typeface="Times New Roman" panose="02020603050405020304" pitchFamily="18" charset="0"/>
+                <a:ea typeface="Calibri" panose="020F0502020204030204" pitchFamily="34" charset="0"/>
+              </a:rPr>
+              <a:t>, а именно поиск зависимости декомпозиции от изменения мощности лазера</a:t>
             </a:r>
           </a:p>
           <a:p>
@@ -3993,121 +4017,7 @@
                 <a:latin typeface="Times New Roman" panose="02020603050405020304" pitchFamily="18" charset="0"/>
                 <a:ea typeface="Calibri" panose="020F0502020204030204" pitchFamily="34" charset="0"/>
               </a:rPr>
-              <a:t>Измерены и сравнены спектры КРС отдельных частиц </a:t>
-            </a:r>
-            <a:r>
-              <a:rPr lang="en-US" sz="1800" dirty="0">
-                <a:effectLst/>
-                <a:latin typeface="Times New Roman" panose="02020603050405020304" pitchFamily="18" charset="0"/>
-                <a:ea typeface="Calibri" panose="020F0502020204030204" pitchFamily="34" charset="0"/>
-              </a:rPr>
-              <a:t>LMO</a:t>
-            </a:r>
-            <a:r>
-              <a:rPr lang="ru-RU" sz="1800" dirty="0">
-                <a:effectLst/>
-                <a:latin typeface="Times New Roman" panose="02020603050405020304" pitchFamily="18" charset="0"/>
-                <a:ea typeface="Calibri" panose="020F0502020204030204" pitchFamily="34" charset="0"/>
-              </a:rPr>
-              <a:t> </a:t>
-            </a:r>
-            <a:r>
-              <a:rPr lang="ru-RU" sz="1800" dirty="0" err="1">
-                <a:effectLst/>
-                <a:latin typeface="Times New Roman" panose="02020603050405020304" pitchFamily="18" charset="0"/>
-                <a:ea typeface="Calibri" panose="020F0502020204030204" pitchFamily="34" charset="0"/>
-              </a:rPr>
-              <a:t>вличиной</a:t>
-            </a:r>
-            <a:r>
-              <a:rPr lang="ru-RU" sz="1800" dirty="0">
-                <a:effectLst/>
-                <a:latin typeface="Times New Roman" panose="02020603050405020304" pitchFamily="18" charset="0"/>
-                <a:ea typeface="Calibri" panose="020F0502020204030204" pitchFamily="34" charset="0"/>
-              </a:rPr>
-              <a:t> около 1 микрона, а также кластера частиц </a:t>
-            </a:r>
-            <a:r>
-              <a:rPr lang="en-US" sz="1800" dirty="0">
-                <a:effectLst/>
-                <a:latin typeface="Times New Roman" panose="02020603050405020304" pitchFamily="18" charset="0"/>
-                <a:ea typeface="Calibri" panose="020F0502020204030204" pitchFamily="34" charset="0"/>
-              </a:rPr>
-              <a:t>LMO</a:t>
-            </a:r>
-            <a:r>
-              <a:rPr lang="ru-RU" sz="1800" dirty="0">
-                <a:effectLst/>
-                <a:latin typeface="Times New Roman" panose="02020603050405020304" pitchFamily="18" charset="0"/>
-                <a:ea typeface="Calibri" panose="020F0502020204030204" pitchFamily="34" charset="0"/>
-              </a:rPr>
-              <a:t>.</a:t>
-            </a:r>
-          </a:p>
-          <a:p>
-            <a:pPr marL="342900" lvl="0" indent="-342900" algn="just">
-              <a:lnSpc>
-                <a:spcPct val="150000"/>
-              </a:lnSpc>
-              <a:buFont typeface="Symbol" panose="05050102010706020507" pitchFamily="18" charset="2"/>
-              <a:buChar char=""/>
-            </a:pPr>
-            <a:r>
-              <a:rPr lang="ru-RU" sz="1800" dirty="0">
-                <a:effectLst/>
-                <a:latin typeface="Times New Roman" panose="02020603050405020304" pitchFamily="18" charset="0"/>
-                <a:ea typeface="Calibri" panose="020F0502020204030204" pitchFamily="34" charset="0"/>
-              </a:rPr>
-              <a:t>Доказано наличие обнаруженных пиков, в том числе и </a:t>
-            </a:r>
-            <a:r>
-              <a:rPr lang="ru-RU" sz="1800" dirty="0" err="1">
-                <a:effectLst/>
-                <a:latin typeface="Times New Roman" panose="02020603050405020304" pitchFamily="18" charset="0"/>
-                <a:ea typeface="Calibri" panose="020F0502020204030204" pitchFamily="34" charset="0"/>
-              </a:rPr>
-              <a:t>раманактивных</a:t>
-            </a:r>
-            <a:r>
-              <a:rPr lang="ru-RU" sz="1800" dirty="0">
-                <a:effectLst/>
-                <a:latin typeface="Times New Roman" panose="02020603050405020304" pitchFamily="18" charset="0"/>
-                <a:ea typeface="Calibri" panose="020F0502020204030204" pitchFamily="34" charset="0"/>
-              </a:rPr>
-              <a:t>, при помощи фитинга полученных спектров.</a:t>
-            </a:r>
-          </a:p>
-          <a:p>
-            <a:pPr marL="342900" lvl="0" indent="-342900" algn="just">
-              <a:lnSpc>
-                <a:spcPct val="150000"/>
-              </a:lnSpc>
-              <a:buFont typeface="Symbol" panose="05050102010706020507" pitchFamily="18" charset="2"/>
-              <a:buChar char=""/>
-            </a:pPr>
-            <a:r>
-              <a:rPr lang="ru-RU" sz="1800" dirty="0">
-                <a:effectLst/>
-                <a:latin typeface="Times New Roman" panose="02020603050405020304" pitchFamily="18" charset="0"/>
-                <a:ea typeface="Calibri" panose="020F0502020204030204" pitchFamily="34" charset="0"/>
-              </a:rPr>
-              <a:t>Выстроен дальнейший план изучения </a:t>
-            </a:r>
-            <a:r>
-              <a:rPr lang="en-US" sz="1800" dirty="0">
-                <a:effectLst/>
-                <a:latin typeface="Times New Roman" panose="02020603050405020304" pitchFamily="18" charset="0"/>
-                <a:ea typeface="Calibri" panose="020F0502020204030204" pitchFamily="34" charset="0"/>
-              </a:rPr>
-              <a:t>LMO</a:t>
-            </a:r>
-            <a:r>
-              <a:rPr lang="ru-RU" sz="1800" dirty="0">
-                <a:effectLst/>
-                <a:latin typeface="Times New Roman" panose="02020603050405020304" pitchFamily="18" charset="0"/>
-                <a:ea typeface="Calibri" panose="020F0502020204030204" pitchFamily="34" charset="0"/>
-              </a:rPr>
-              <a:t>, а именно поиск зависимости декомпозиции от изменения мощности лазера</a:t>
+              <a:t>Отработана методика измерений спектров КРС от отдельных частиц, а также фитинг полученных результатов.</a:t>
             </a:r>
           </a:p>
         </p:txBody>
@@ -4473,7 +4383,7 @@
         <p:spPr>
           <a:xfrm>
             <a:off x="359595" y="1801504"/>
-            <a:ext cx="11670218" cy="3782061"/>
+            <a:ext cx="11670218" cy="3931654"/>
           </a:xfrm>
           <a:prstGeom prst="rect">
             <a:avLst/>
@@ -4492,12 +4402,50 @@
               </a:lnSpc>
             </a:pPr>
             <a:r>
-              <a:rPr lang="ru-RU" sz="1800" dirty="0">
+              <a:rPr lang="ru-RU" sz="1400" dirty="0">
+                <a:effectLst/>
+                <a:latin typeface="Times New Roman" panose="02020603050405020304" pitchFamily="18" charset="0"/>
+                <a:ea typeface="Times New Roman" panose="02020603050405020304" pitchFamily="18" charset="0"/>
+              </a:rPr>
+              <a:t>В наше время, </a:t>
+            </a:r>
+            <a:r>
+              <a:rPr lang="ru-RU" sz="1400" dirty="0">
+                <a:solidFill>
+                  <a:srgbClr val="000000"/>
+                </a:solidFill>
+                <a:effectLst/>
+                <a:latin typeface="Times New Roman" panose="02020603050405020304" pitchFamily="18" charset="0"/>
+                <a:ea typeface="Times New Roman" panose="02020603050405020304" pitchFamily="18" charset="0"/>
+              </a:rPr>
+              <a:t>из-за растущего внимания к экологической обстановке в мире, </a:t>
+            </a:r>
+            <a:r>
+              <a:rPr lang="ru-RU" sz="1400" dirty="0">
+                <a:effectLst/>
+                <a:latin typeface="Times New Roman" panose="02020603050405020304" pitchFamily="18" charset="0"/>
+                <a:ea typeface="Times New Roman" panose="02020603050405020304" pitchFamily="18" charset="0"/>
+              </a:rPr>
+              <a:t>человечество стремится максимально снизить пагубное воздействие на окружающую среду. Сжигание таких видов ископаемого топлива, как уголь, природный газ и нефтепродукты, приводит к выделению в атмосферу большое количество загрязнений, и поэтому многие ведущие страны мира занимаются развитием возобновляемых источников энергии и транспорта с нулевым загрязнением. Химические источники тока (ХИТ) являются критически важным элементом для электрического транспорта и важным – для возобновляемой энергетики.</a:t>
+            </a:r>
+            <a:endParaRPr lang="ru-RU" sz="1400" dirty="0">
+              <a:latin typeface="Times New Roman" panose="02020603050405020304" pitchFamily="18" charset="0"/>
+              <a:ea typeface="Times New Roman" panose="02020603050405020304" pitchFamily="18" charset="0"/>
+            </a:endParaRPr>
+          </a:p>
+          <a:p>
+            <a:pPr indent="450215" algn="just">
+              <a:lnSpc>
+                <a:spcPct val="150000"/>
+              </a:lnSpc>
+            </a:pPr>
+            <a:r>
+              <a:rPr lang="ru-RU" sz="1400" dirty="0">
                 <a:effectLst/>
                 <a:latin typeface="Times New Roman" panose="02020603050405020304" pitchFamily="18" charset="0"/>
                 <a:ea typeface="Calibri" panose="020F0502020204030204" pitchFamily="34" charset="0"/>
               </a:rPr>
-              <a:t>В настоящее время единственной возможностью хранения электрической энергии - является преобразование в другую форму, например, в химическую, тепловую или механическую энергию. В таких формах можно довольно длительный промежуток времени сохранять энергию. </a:t>
+              <a:t>На данный момент единственной возможностью хранения электрической энергии - является преобразование в другую форму, например, в химическую, тепловую или механическую энергию. В таких формах можно довольно длительный промежуток времени сохранять энергию. </a:t>
             </a:r>
           </a:p>
           <a:p>
@@ -4507,14 +4455,14 @@
               </a:lnSpc>
             </a:pPr>
             <a:r>
-              <a:rPr lang="ru-RU" sz="1800" dirty="0">
+              <a:rPr lang="ru-RU" sz="1400" dirty="0">
                 <a:effectLst/>
                 <a:latin typeface="Times New Roman" panose="02020603050405020304" pitchFamily="18" charset="0"/>
                 <a:ea typeface="Calibri" panose="020F0502020204030204" pitchFamily="34" charset="0"/>
               </a:rPr>
               <a:t>Аккумуляторы — это устройства, позволяющие накапливать электрическую энергию путём преобразования в химическую. Накопленная энергия может быть в дальнейшем использована, аккумулятор же будет выступать как источник энергии. Большинство аккумуляторов позволяют многократно повторять зарядку и разрядку, поэтому они работают циклически. Существует немало типов аккумуляторов, и у каждого типа есть свои характеристики, преимуществ и недостатки. Аккумуляторы имеют широкое применение, от обеспечения энергией часов или мобильных телефонов до снабжения электричеством целых космических станций</a:t>
             </a:r>
-            <a:endParaRPr lang="ru-RU" dirty="0">
+            <a:endParaRPr lang="ru-RU" sz="1400" dirty="0">
               <a:latin typeface="Times New Roman" panose="02020603050405020304" pitchFamily="18" charset="0"/>
               <a:cs typeface="Times New Roman" panose="02020603050405020304" pitchFamily="18" charset="0"/>
             </a:endParaRPr>
@@ -4772,11 +4720,6 @@
               </a:rPr>
               <a:t>	Свинцово-кислотные батареи — самые старые и одни из наиболее широко используемых аккумуляторных батарей. Они состоят из пластин (электродов), сепараторов и электролита. Из-за лучших механических характеристик материал отрицательного электрода состоит из свинца и сурьмы. Положительный электрод же изготовлен из оксида свинца. Пластины выполнены в виде прямоугольных сеток. Пространство между сетками заполнено электролитом, состоящим из 33-35% разбавленной серной кислоты. Между положительной и отрицательной пластинами расположены разделители, предотвращающие короткое замыкание. Сепараторы предотвращают движение ионов и увеличивают сопротивление ячеек. Обычно они изготавливаются из дерева, резины, стекла, целлюлозы, ПВХ или полиэтиленового пластика.</a:t>
             </a:r>
-            <a:endParaRPr lang="ru-RU" sz="1200" b="1" dirty="0">
-              <a:latin typeface="Times New Roman" panose="02020603050405020304" pitchFamily="18" charset="0"/>
-              <a:ea typeface="Times New Roman" panose="02020603050405020304" pitchFamily="18" charset="0"/>
-              <a:cs typeface="Times New Roman" panose="02020603050405020304" pitchFamily="18" charset="0"/>
-            </a:endParaRPr>
           </a:p>
           <a:p>
             <a:pPr>
@@ -4794,7 +4737,7 @@
                 <a:ea typeface="Times New Roman" panose="02020603050405020304" pitchFamily="18" charset="0"/>
                 <a:cs typeface="Times New Roman" panose="02020603050405020304" pitchFamily="18" charset="0"/>
               </a:rPr>
-              <a:t>Литий-ионные </a:t>
+              <a:t>Никель-кадмиевые батареи</a:t>
             </a:r>
           </a:p>
           <a:p>
@@ -4809,8 +4752,61 @@
                 <a:latin typeface="Times New Roman" panose="02020603050405020304" pitchFamily="18" charset="0"/>
                 <a:ea typeface="Calibri" panose="020F0502020204030204" pitchFamily="34" charset="0"/>
               </a:rPr>
-              <a:t>Литий-ионные батареи — это аккумуляторные батареи. Материалом положительного электрода может быть оксид лития-кобальта, фосфат лития-железа или оксид литий-марганца. Отрицательный электрод сделан из углерода. Электролит изготовлен из органического растворителя пропилена или этилового углерода. Литий-ионные аккумуляторы имеют жидкий электролит, поэтому предъявляются повышенные требования к защитной упаковке. Напряжение литий-ионных аккумуляторных элементов зависит от материала, из которого изготовлены положительные и отрицательные электроды. </a:t>
-            </a:r>
+              <a:t>Положительная пластина никель-кадмиевых батареях изготовлена из гидроксида оксида никеля </a:t>
+            </a:r>
+            <a:r>
+              <a:rPr lang="ru-RU" sz="1200" dirty="0" err="1">
+                <a:effectLst/>
+                <a:latin typeface="Times New Roman" panose="02020603050405020304" pitchFamily="18" charset="0"/>
+                <a:ea typeface="Calibri" panose="020F0502020204030204" pitchFamily="34" charset="0"/>
+              </a:rPr>
+              <a:t>NiOOH</a:t>
+            </a:r>
+            <a:r>
+              <a:rPr lang="ru-RU" sz="1200" dirty="0">
+                <a:effectLst/>
+                <a:latin typeface="Times New Roman" panose="02020603050405020304" pitchFamily="18" charset="0"/>
+                <a:ea typeface="Calibri" panose="020F0502020204030204" pitchFamily="34" charset="0"/>
+              </a:rPr>
+              <a:t>, а отрицательная пластина - из кадмия. В качестве электролита используется гидроксид калия. Конструкция </a:t>
+            </a:r>
+            <a:r>
+              <a:rPr lang="ru-RU" sz="1200" dirty="0" err="1">
+                <a:effectLst/>
+                <a:latin typeface="Times New Roman" panose="02020603050405020304" pitchFamily="18" charset="0"/>
+                <a:ea typeface="Calibri" panose="020F0502020204030204" pitchFamily="34" charset="0"/>
+              </a:rPr>
+              <a:t>NiCd</a:t>
+            </a:r>
+            <a:r>
+              <a:rPr lang="ru-RU" sz="1200" dirty="0">
+                <a:effectLst/>
+                <a:latin typeface="Times New Roman" panose="02020603050405020304" pitchFamily="18" charset="0"/>
+                <a:ea typeface="Calibri" panose="020F0502020204030204" pitchFamily="34" charset="0"/>
+              </a:rPr>
+              <a:t> аккумулятора собрана из электродных пластин с разделителями между ними. Батареи </a:t>
+            </a:r>
+            <a:r>
+              <a:rPr lang="ru-RU" sz="1200" dirty="0" err="1">
+                <a:effectLst/>
+                <a:latin typeface="Times New Roman" panose="02020603050405020304" pitchFamily="18" charset="0"/>
+                <a:ea typeface="Calibri" panose="020F0502020204030204" pitchFamily="34" charset="0"/>
+              </a:rPr>
+              <a:t>NiCd</a:t>
+            </a:r>
+            <a:r>
+              <a:rPr lang="ru-RU" sz="1200" dirty="0">
+                <a:effectLst/>
+                <a:latin typeface="Times New Roman" panose="02020603050405020304" pitchFamily="18" charset="0"/>
+                <a:ea typeface="Calibri" panose="020F0502020204030204" pitchFamily="34" charset="0"/>
+              </a:rPr>
+              <a:t> выпускаются двух типов. Первая форма имеет погруженные электроды с жидким электролитом, а вторая форма - герметичные батареи. </a:t>
+            </a:r>
+            <a:endParaRPr lang="ru-RU" sz="1200" b="1" dirty="0">
+              <a:latin typeface="Times New Roman" panose="02020603050405020304" pitchFamily="18" charset="0"/>
+              <a:ea typeface="Times New Roman" panose="02020603050405020304" pitchFamily="18" charset="0"/>
+              <a:cs typeface="Times New Roman" panose="02020603050405020304" pitchFamily="18" charset="0"/>
+            </a:endParaRPr>
           </a:p>
           <a:p>
             <a:pPr>
@@ -4828,7 +4824,7 @@
                 <a:ea typeface="Times New Roman" panose="02020603050405020304" pitchFamily="18" charset="0"/>
                 <a:cs typeface="Times New Roman" panose="02020603050405020304" pitchFamily="18" charset="0"/>
               </a:rPr>
-              <a:t>Никель-кадмиевые батареи</a:t>
+              <a:t>Литий-ионные </a:t>
             </a:r>
           </a:p>
           <a:p>
@@ -4843,55 +4839,7 @@
                 <a:latin typeface="Times New Roman" panose="02020603050405020304" pitchFamily="18" charset="0"/>
                 <a:ea typeface="Calibri" panose="020F0502020204030204" pitchFamily="34" charset="0"/>
               </a:rPr>
-              <a:t>Положительная пластина никель-кадмиевых батареях изготовлена из гидроксида оксида никеля </a:t>
-            </a:r>
-            <a:r>
-              <a:rPr lang="ru-RU" sz="1200" dirty="0" err="1">
-                <a:effectLst/>
-                <a:latin typeface="Times New Roman" panose="02020603050405020304" pitchFamily="18" charset="0"/>
-                <a:ea typeface="Calibri" panose="020F0502020204030204" pitchFamily="34" charset="0"/>
-              </a:rPr>
-              <a:t>NiOOH</a:t>
-            </a:r>
-            <a:r>
-              <a:rPr lang="ru-RU" sz="1200" dirty="0">
-                <a:effectLst/>
-                <a:latin typeface="Times New Roman" panose="02020603050405020304" pitchFamily="18" charset="0"/>
-                <a:ea typeface="Calibri" panose="020F0502020204030204" pitchFamily="34" charset="0"/>
-              </a:rPr>
-              <a:t>, а отрицательная пластина - из кадмия. В качестве электролита используется гидроксид калия. Конструкция </a:t>
-            </a:r>
-            <a:r>
-              <a:rPr lang="ru-RU" sz="1200" dirty="0" err="1">
-                <a:effectLst/>
-                <a:latin typeface="Times New Roman" panose="02020603050405020304" pitchFamily="18" charset="0"/>
-                <a:ea typeface="Calibri" panose="020F0502020204030204" pitchFamily="34" charset="0"/>
-              </a:rPr>
-              <a:t>NiCd</a:t>
-            </a:r>
-            <a:r>
-              <a:rPr lang="ru-RU" sz="1200" dirty="0">
-                <a:effectLst/>
-                <a:latin typeface="Times New Roman" panose="02020603050405020304" pitchFamily="18" charset="0"/>
-                <a:ea typeface="Calibri" panose="020F0502020204030204" pitchFamily="34" charset="0"/>
-              </a:rPr>
-              <a:t> аккумулятора собрана из электродных пластин с разделителями между ними. Батареи </a:t>
-            </a:r>
-            <a:r>
-              <a:rPr lang="ru-RU" sz="1200" dirty="0" err="1">
-                <a:effectLst/>
-                <a:latin typeface="Times New Roman" panose="02020603050405020304" pitchFamily="18" charset="0"/>
-                <a:ea typeface="Calibri" panose="020F0502020204030204" pitchFamily="34" charset="0"/>
-              </a:rPr>
-              <a:t>NiCd</a:t>
-            </a:r>
-            <a:r>
-              <a:rPr lang="ru-RU" sz="1200" dirty="0">
-                <a:effectLst/>
-                <a:latin typeface="Times New Roman" panose="02020603050405020304" pitchFamily="18" charset="0"/>
-                <a:ea typeface="Calibri" panose="020F0502020204030204" pitchFamily="34" charset="0"/>
-              </a:rPr>
-              <a:t> выпускаются двух типов. Первая форма имеет погруженные электроды с жидким электролитом, а вторая форма - герметичные батареи. </a:t>
+              <a:t>Литий-ионные батареи — это аккумуляторные батареи. Материалом положительного электрода может быть оксид лития-кобальта, фосфат лития-железа или оксид литий-марганца. Отрицательный электрод сделан из углерода. Электролит изготовлен из органического растворителя пропилена или этилового углерода. Литий-ионные аккумуляторы имеют жидкий электролит, поэтому предъявляются повышенные требования к защитной упаковке. Напряжение литий-ионных аккумуляторных элементов зависит от материала, из которого изготовлены положительные и отрицательные электроды. </a:t>
             </a:r>
           </a:p>
           <a:p>
@@ -4998,8 +4946,8 @@
           <a:noFill/>
         </p:spPr>
       </p:pic>
-      <mc:AlternateContent xmlns:mc="http://schemas.openxmlformats.org/markup-compatibility/2006">
-        <mc:Choice xmlns:a14="http://schemas.microsoft.com/office/drawing/2010/main" Requires="a14">
+      <mc:AlternateContent xmlns:mc="http://schemas.openxmlformats.org/markup-compatibility/2006" xmlns:a14="http://schemas.microsoft.com/office/drawing/2010/main">
+        <mc:Choice Requires="a14">
           <p:sp>
             <p:nvSpPr>
               <p:cNvPr id="2" name="TextBox 1">
@@ -5135,7 +5083,7 @@
             </p:txBody>
           </p:sp>
         </mc:Choice>
-        <mc:Fallback>
+        <mc:Fallback xmlns="">
           <p:sp>
             <p:nvSpPr>
               <p:cNvPr id="2" name="TextBox 1">
@@ -5366,7 +5314,7 @@
           <a:lstStyle/>
           <a:p>
             <a:r>
-              <a:rPr lang="ru-RU" sz="1800" i="1" dirty="0">
+              <a:rPr lang="ru-RU" sz="1800" dirty="0">
                 <a:effectLst/>
                 <a:latin typeface="Times New Roman" panose="02020603050405020304" pitchFamily="18" charset="0"/>
                 <a:ea typeface="Calibri" panose="020F0502020204030204" pitchFamily="34" charset="0"/>
@@ -5374,7 +5322,7 @@
               <a:t>Рисунок 1 – Часть элементарной ячейки </a:t>
             </a:r>
             <a:r>
-              <a:rPr lang="en-US" sz="1800" i="1" dirty="0">
+              <a:rPr lang="en-US" sz="1800" dirty="0">
                 <a:effectLst/>
                 <a:latin typeface="Times New Roman" panose="02020603050405020304" pitchFamily="18" charset="0"/>
                 <a:ea typeface="Calibri" panose="020F0502020204030204" pitchFamily="34" charset="0"/>
@@ -5382,7 +5330,7 @@
               <a:t>LMO </a:t>
             </a:r>
             <a:r>
-              <a:rPr lang="ru-RU" sz="1800" i="1" dirty="0">
+              <a:rPr lang="ru-RU" sz="1800" dirty="0">
                 <a:effectLst/>
                 <a:latin typeface="Times New Roman" panose="02020603050405020304" pitchFamily="18" charset="0"/>
                 <a:ea typeface="Calibri" panose="020F0502020204030204" pitchFamily="34" charset="0"/>
@@ -5390,7 +5338,7 @@
               <a:t>показывая местную структуру вокруг </a:t>
             </a:r>
             <a:r>
-              <a:rPr lang="ru-RU" sz="1800" i="1" dirty="0" err="1">
+              <a:rPr lang="ru-RU" sz="1800" dirty="0" err="1">
                 <a:effectLst/>
                 <a:latin typeface="Times New Roman" panose="02020603050405020304" pitchFamily="18" charset="0"/>
                 <a:ea typeface="Calibri" panose="020F0502020204030204" pitchFamily="34" charset="0"/>
@@ -5398,7 +5346,7 @@
               <a:t>октаэдрически</a:t>
             </a:r>
             <a:r>
-              <a:rPr lang="ru-RU" sz="1800" i="1" dirty="0">
+              <a:rPr lang="ru-RU" sz="1800" dirty="0">
                 <a:effectLst/>
                 <a:latin typeface="Times New Roman" panose="02020603050405020304" pitchFamily="18" charset="0"/>
                 <a:ea typeface="Calibri" panose="020F0502020204030204" pitchFamily="34" charset="0"/>
@@ -5406,7 +5354,7 @@
               <a:t> согласованный марганец в идеальной решетке шпинели. Связи </a:t>
             </a:r>
             <a:r>
-              <a:rPr lang="ru-RU" sz="1800" i="1" dirty="0" err="1">
+              <a:rPr lang="ru-RU" sz="1800" dirty="0" err="1">
                 <a:effectLst/>
                 <a:latin typeface="Times New Roman" panose="02020603050405020304" pitchFamily="18" charset="0"/>
                 <a:ea typeface="Calibri" panose="020F0502020204030204" pitchFamily="34" charset="0"/>
@@ -5414,7 +5362,7 @@
               <a:t>Mn</a:t>
             </a:r>
             <a:r>
-              <a:rPr lang="ru-RU" sz="1800" i="1" dirty="0">
+              <a:rPr lang="ru-RU" sz="1800" dirty="0">
                 <a:effectLst/>
                 <a:latin typeface="Times New Roman" panose="02020603050405020304" pitchFamily="18" charset="0"/>
                 <a:ea typeface="Calibri" panose="020F0502020204030204" pitchFamily="34" charset="0"/>
@@ -5656,7 +5604,7 @@
                 <a:latin typeface="Times New Roman" panose="02020603050405020304" pitchFamily="18" charset="0"/>
                 <a:ea typeface="Calibri" panose="020F0502020204030204" pitchFamily="34" charset="0"/>
               </a:rPr>
-              <a:t>Для регистрации спектра без вмешательства посторонних веществ требуется поместить материал на подложку из нейтрального металла, который не будет оказывать особого влияния на спектр, что позволит более точно определять спектр исследуемого вещества.</a:t>
+              <a:t>В качестве основного метода исследования был выбран подход с измерением спектров КРС отдельных частиц. Что бы регистрируемый спектр не содержал посторонних вкладов, частицы осаждались на металлическую (медную) подложку.</a:t>
             </a:r>
           </a:p>
         </p:txBody>
@@ -5690,7 +5638,7 @@
           <a:lstStyle/>
           <a:p>
             <a:r>
-              <a:rPr lang="ru-RU" sz="1800" i="1" dirty="0">
+              <a:rPr lang="ru-RU" sz="1800" dirty="0">
                 <a:effectLst/>
                 <a:latin typeface="Times New Roman" panose="02020603050405020304" pitchFamily="18" charset="0"/>
                 <a:ea typeface="Calibri" panose="020F0502020204030204" pitchFamily="34" charset="0"/>
@@ -5698,26 +5646,33 @@
               <a:t>Рисунок </a:t>
             </a:r>
             <a:r>
+              <a:rPr lang="ru-RU" dirty="0">
+                <a:latin typeface="Times New Roman" panose="02020603050405020304" pitchFamily="18" charset="0"/>
+                <a:ea typeface="Calibri" panose="020F0502020204030204" pitchFamily="34" charset="0"/>
+              </a:rPr>
+              <a:t>2</a:t>
+            </a:r>
+            <a:r>
+              <a:rPr lang="ru-RU" sz="1800" dirty="0">
+                <a:effectLst/>
+                <a:latin typeface="Times New Roman" panose="02020603050405020304" pitchFamily="18" charset="0"/>
+                <a:ea typeface="Calibri" panose="020F0502020204030204" pitchFamily="34" charset="0"/>
+              </a:rPr>
+              <a:t> – </a:t>
+            </a:r>
+            <a:r>
+              <a:rPr lang="ru-RU" dirty="0">
+                <a:latin typeface="Times New Roman" panose="02020603050405020304" pitchFamily="18" charset="0"/>
+                <a:ea typeface="Calibri" panose="020F0502020204030204" pitchFamily="34" charset="0"/>
+              </a:rPr>
+              <a:t>отполированные медные подложки</a:t>
+            </a:r>
+            <a:r>
               <a:rPr lang="ru-RU" i="1" dirty="0">
                 <a:latin typeface="Times New Roman" panose="02020603050405020304" pitchFamily="18" charset="0"/>
                 <a:ea typeface="Calibri" panose="020F0502020204030204" pitchFamily="34" charset="0"/>
               </a:rPr>
-              <a:t>2</a:t>
-            </a:r>
-            <a:r>
-              <a:rPr lang="ru-RU" sz="1800" i="1" dirty="0">
-                <a:effectLst/>
-                <a:latin typeface="Times New Roman" panose="02020603050405020304" pitchFamily="18" charset="0"/>
-                <a:ea typeface="Calibri" panose="020F0502020204030204" pitchFamily="34" charset="0"/>
-              </a:rPr>
-              <a:t> – </a:t>
-            </a:r>
-            <a:r>
-              <a:rPr lang="ru-RU" i="1" dirty="0">
-                <a:latin typeface="Times New Roman" panose="02020603050405020304" pitchFamily="18" charset="0"/>
-                <a:ea typeface="Calibri" panose="020F0502020204030204" pitchFamily="34" charset="0"/>
-              </a:rPr>
-              <a:t>отполированные медные подложки.</a:t>
+              <a:t>.</a:t>
             </a:r>
             <a:endParaRPr lang="ru-RU" dirty="0"/>
           </a:p>
@@ -6276,7 +6231,7 @@
         <p:spPr>
           <a:xfrm>
             <a:off x="6654567" y="2659038"/>
-            <a:ext cx="4926029" cy="1200329"/>
+            <a:ext cx="4926029" cy="923330"/>
           </a:xfrm>
           <a:prstGeom prst="rect">
             <a:avLst/>
@@ -6290,7 +6245,7 @@
           <a:lstStyle/>
           <a:p>
             <a:r>
-              <a:rPr lang="ru-RU" sz="1800" i="1" dirty="0">
+              <a:rPr lang="ru-RU" sz="1800" dirty="0">
                 <a:effectLst/>
                 <a:latin typeface="Times New Roman" panose="02020603050405020304" pitchFamily="18" charset="0"/>
                 <a:ea typeface="Calibri" panose="020F0502020204030204" pitchFamily="34" charset="0"/>
@@ -6298,14 +6253,14 @@
               <a:t>Рисунок 3 – Пример изображения спектра рассеянного света</a:t>
             </a:r>
             <a:br>
-              <a:rPr lang="ru-RU" sz="1800" i="1" dirty="0">
+              <a:rPr lang="ru-RU" sz="1800" dirty="0">
                 <a:effectLst/>
                 <a:latin typeface="Times New Roman" panose="02020603050405020304" pitchFamily="18" charset="0"/>
                 <a:ea typeface="Calibri" panose="020F0502020204030204" pitchFamily="34" charset="0"/>
               </a:rPr>
             </a:br>
             <a:r>
-              <a:rPr lang="ru-RU" sz="1800" i="1" dirty="0">
+              <a:rPr lang="ru-RU" sz="1800" dirty="0">
                 <a:effectLst/>
                 <a:latin typeface="Times New Roman" panose="02020603050405020304" pitchFamily="18" charset="0"/>
                 <a:ea typeface="Calibri" panose="020F0502020204030204" pitchFamily="34" charset="0"/>
@@ -6583,7 +6538,7 @@
               </a:spcAft>
             </a:pPr>
             <a:r>
-              <a:rPr lang="ru-RU" sz="1800" i="1" dirty="0">
+              <a:rPr lang="ru-RU" sz="1800" dirty="0">
                 <a:effectLst/>
                 <a:latin typeface="Times New Roman" panose="02020603050405020304" pitchFamily="18" charset="0"/>
                 <a:ea typeface="Calibri" panose="020F0502020204030204" pitchFamily="34" charset="0"/>
@@ -6592,7 +6547,7 @@
               <a:t>Рисунок 4 </a:t>
             </a:r>
             <a:r>
-              <a:rPr lang="ru-RU" sz="1800" i="1" dirty="0">
+              <a:rPr lang="ru-RU" sz="1800" dirty="0">
                 <a:effectLst/>
                 <a:latin typeface="Times New Roman" panose="02020603050405020304" pitchFamily="18" charset="0"/>
                 <a:ea typeface="Times New Roman" panose="02020603050405020304" pitchFamily="18" charset="0"/>
@@ -6601,7 +6556,7 @@
               <a:t>–</a:t>
             </a:r>
             <a:r>
-              <a:rPr lang="ru-RU" sz="1800" i="1" dirty="0">
+              <a:rPr lang="ru-RU" sz="1800" dirty="0">
                 <a:effectLst/>
                 <a:latin typeface="Times New Roman" panose="02020603050405020304" pitchFamily="18" charset="0"/>
                 <a:ea typeface="Calibri" panose="020F0502020204030204" pitchFamily="34" charset="0"/>
@@ -6609,12 +6564,6 @@
               </a:rPr>
               <a:t> Оптическое изображение всех частиц с оптического микроскопа.</a:t>
             </a:r>
-            <a:endParaRPr lang="ru-RU" sz="1800" dirty="0">
-              <a:effectLst/>
-              <a:latin typeface="Times New Roman" panose="02020603050405020304" pitchFamily="18" charset="0"/>
-              <a:ea typeface="Calibri" panose="020F0502020204030204" pitchFamily="34" charset="0"/>
-              <a:cs typeface="Times New Roman" panose="02020603050405020304" pitchFamily="18" charset="0"/>
-            </a:endParaRPr>
           </a:p>
         </p:txBody>
       </p:sp>
@@ -6647,7 +6596,7 @@
           <a:lstStyle/>
           <a:p>
             <a:r>
-              <a:rPr lang="ru-RU" sz="1800" i="1" dirty="0">
+              <a:rPr lang="ru-RU" sz="1800" dirty="0">
                 <a:effectLst/>
                 <a:latin typeface="Times New Roman" panose="02020603050405020304" pitchFamily="18" charset="0"/>
                 <a:ea typeface="Calibri" panose="020F0502020204030204" pitchFamily="34" charset="0"/>
@@ -6655,7 +6604,7 @@
               <a:t>Рисунок  5  </a:t>
             </a:r>
             <a:r>
-              <a:rPr lang="ru-RU" sz="1800" i="1" dirty="0">
+              <a:rPr lang="ru-RU" sz="1800" dirty="0">
                 <a:effectLst/>
                 <a:latin typeface="Times New Roman" panose="02020603050405020304" pitchFamily="18" charset="0"/>
                 <a:ea typeface="Times New Roman" panose="02020603050405020304" pitchFamily="18" charset="0"/>
@@ -6663,7 +6612,7 @@
               <a:t>– </a:t>
             </a:r>
             <a:r>
-              <a:rPr lang="ru-RU" sz="1800" i="1" dirty="0">
+              <a:rPr lang="ru-RU" sz="1800" dirty="0">
                 <a:effectLst/>
                 <a:latin typeface="Times New Roman" panose="02020603050405020304" pitchFamily="18" charset="0"/>
                 <a:ea typeface="Calibri" panose="020F0502020204030204" pitchFamily="34" charset="0"/>
@@ -6864,7 +6813,7 @@
               </a:spcAft>
             </a:pPr>
             <a:r>
-              <a:rPr lang="ru-RU" sz="1800" i="1" dirty="0">
+              <a:rPr lang="ru-RU" sz="1800" dirty="0">
                 <a:effectLst/>
                 <a:latin typeface="Times New Roman" panose="02020603050405020304" pitchFamily="18" charset="0"/>
                 <a:ea typeface="Calibri" panose="020F0502020204030204" pitchFamily="34" charset="0"/>
@@ -6873,7 +6822,7 @@
               <a:t>Рисунок </a:t>
             </a:r>
             <a:r>
-              <a:rPr lang="ru-RU" i="1" dirty="0">
+              <a:rPr lang="ru-RU" dirty="0">
                 <a:latin typeface="Times New Roman" panose="02020603050405020304" pitchFamily="18" charset="0"/>
                 <a:ea typeface="Calibri" panose="020F0502020204030204" pitchFamily="34" charset="0"/>
                 <a:cs typeface="Times New Roman" panose="02020603050405020304" pitchFamily="18" charset="0"/>
@@ -6881,7 +6830,7 @@
               <a:t>6</a:t>
             </a:r>
             <a:r>
-              <a:rPr lang="ru-RU" sz="1800" i="1" dirty="0">
+              <a:rPr lang="ru-RU" sz="1800" dirty="0">
                 <a:effectLst/>
                 <a:latin typeface="Times New Roman" panose="02020603050405020304" pitchFamily="18" charset="0"/>
                 <a:ea typeface="Calibri" panose="020F0502020204030204" pitchFamily="34" charset="0"/>
@@ -6890,7 +6839,7 @@
               <a:t> </a:t>
             </a:r>
             <a:r>
-              <a:rPr lang="ru-RU" sz="1800" i="1" dirty="0">
+              <a:rPr lang="ru-RU" sz="1800" dirty="0">
                 <a:effectLst/>
                 <a:latin typeface="Times New Roman" panose="02020603050405020304" pitchFamily="18" charset="0"/>
                 <a:ea typeface="Times New Roman" panose="02020603050405020304" pitchFamily="18" charset="0"/>
@@ -6899,7 +6848,7 @@
               <a:t>–</a:t>
             </a:r>
             <a:r>
-              <a:rPr lang="ru-RU" sz="1800" i="1" dirty="0">
+              <a:rPr lang="ru-RU" sz="1800" dirty="0">
                 <a:effectLst/>
                 <a:latin typeface="Times New Roman" panose="02020603050405020304" pitchFamily="18" charset="0"/>
                 <a:ea typeface="Calibri" panose="020F0502020204030204" pitchFamily="34" charset="0"/>
@@ -6908,7 +6857,7 @@
               <a:t> Серия КРС спектров </a:t>
             </a:r>
             <a:r>
-              <a:rPr lang="en-US" sz="1800" i="1" dirty="0">
+              <a:rPr lang="en-US" sz="1800" dirty="0">
                 <a:effectLst/>
                 <a:latin typeface="Times New Roman" panose="02020603050405020304" pitchFamily="18" charset="0"/>
                 <a:ea typeface="Calibri" panose="020F0502020204030204" pitchFamily="34" charset="0"/>
@@ -6917,7 +6866,7 @@
               <a:t>LMO</a:t>
             </a:r>
             <a:r>
-              <a:rPr lang="ru-RU" sz="1800" i="1" dirty="0">
+              <a:rPr lang="ru-RU" sz="1800" dirty="0">
                 <a:effectLst/>
                 <a:latin typeface="Times New Roman" panose="02020603050405020304" pitchFamily="18" charset="0"/>
                 <a:ea typeface="Calibri" panose="020F0502020204030204" pitchFamily="34" charset="0"/>
@@ -6926,7 +6875,7 @@
               <a:t> (633 </a:t>
             </a:r>
             <a:r>
-              <a:rPr lang="ru-RU" sz="1800" i="1" dirty="0" err="1">
+              <a:rPr lang="ru-RU" sz="1800" dirty="0" err="1">
                 <a:effectLst/>
                 <a:latin typeface="Times New Roman" panose="02020603050405020304" pitchFamily="18" charset="0"/>
                 <a:ea typeface="Calibri" panose="020F0502020204030204" pitchFamily="34" charset="0"/>
@@ -6935,7 +6884,7 @@
               <a:t>нм</a:t>
             </a:r>
             <a:r>
-              <a:rPr lang="ru-RU" sz="1800" i="1" dirty="0">
+              <a:rPr lang="ru-RU" sz="1800" dirty="0">
                 <a:effectLst/>
                 <a:latin typeface="Times New Roman" panose="02020603050405020304" pitchFamily="18" charset="0"/>
                 <a:ea typeface="Calibri" panose="020F0502020204030204" pitchFamily="34" charset="0"/>
@@ -6943,12 +6892,6 @@
               </a:rPr>
               <a:t>, 4,1 мВт) с указанием пиков (а) Кластер а, (б) частица б, (в) частица в, (г) частица г, (д) частица д.</a:t>
             </a:r>
-            <a:endParaRPr lang="ru-RU" sz="1800" dirty="0">
-              <a:effectLst/>
-              <a:latin typeface="Times New Roman" panose="02020603050405020304" pitchFamily="18" charset="0"/>
-              <a:ea typeface="Calibri" panose="020F0502020204030204" pitchFamily="34" charset="0"/>
-              <a:cs typeface="Times New Roman" panose="02020603050405020304" pitchFamily="18" charset="0"/>
-            </a:endParaRPr>
           </a:p>
         </p:txBody>
       </p:sp>
@@ -7023,7 +6966,7 @@
               </a:spcAft>
             </a:pPr>
             <a:r>
-              <a:rPr lang="ru-RU" sz="1800" i="1" dirty="0">
+              <a:rPr lang="ru-RU" sz="1800" dirty="0">
                 <a:effectLst/>
                 <a:latin typeface="Times New Roman" panose="02020603050405020304" pitchFamily="18" charset="0"/>
                 <a:ea typeface="Calibri" panose="020F0502020204030204" pitchFamily="34" charset="0"/>
@@ -7032,7 +6975,7 @@
               <a:t>Рисунок 7 </a:t>
             </a:r>
             <a:r>
-              <a:rPr lang="ru-RU" sz="1800" i="1" dirty="0">
+              <a:rPr lang="ru-RU" sz="1800" dirty="0">
                 <a:effectLst/>
                 <a:latin typeface="Times New Roman" panose="02020603050405020304" pitchFamily="18" charset="0"/>
                 <a:ea typeface="Times New Roman" panose="02020603050405020304" pitchFamily="18" charset="0"/>
@@ -7041,7 +6984,7 @@
               <a:t>–</a:t>
             </a:r>
             <a:r>
-              <a:rPr lang="ru-RU" sz="1800" i="1" dirty="0">
+              <a:rPr lang="ru-RU" sz="1800" dirty="0">
                 <a:effectLst/>
                 <a:latin typeface="Times New Roman" panose="02020603050405020304" pitchFamily="18" charset="0"/>
                 <a:ea typeface="Calibri" panose="020F0502020204030204" pitchFamily="34" charset="0"/>
@@ -7050,7 +6993,7 @@
               <a:t> Серия КРС спектров </a:t>
             </a:r>
             <a:r>
-              <a:rPr lang="en-US" sz="1800" i="1" dirty="0">
+              <a:rPr lang="en-US" sz="1800" dirty="0">
                 <a:effectLst/>
                 <a:latin typeface="Times New Roman" panose="02020603050405020304" pitchFamily="18" charset="0"/>
                 <a:ea typeface="Calibri" panose="020F0502020204030204" pitchFamily="34" charset="0"/>
@@ -7059,7 +7002,7 @@
               <a:t>LMO </a:t>
             </a:r>
             <a:r>
-              <a:rPr lang="ru-RU" sz="1800" i="1" dirty="0">
+              <a:rPr lang="ru-RU" sz="1800" dirty="0">
                 <a:effectLst/>
                 <a:latin typeface="Times New Roman" panose="02020603050405020304" pitchFamily="18" charset="0"/>
                 <a:ea typeface="Calibri" panose="020F0502020204030204" pitchFamily="34" charset="0"/>
@@ -7068,7 +7011,7 @@
               <a:t>(488 </a:t>
             </a:r>
             <a:r>
-              <a:rPr lang="ru-RU" sz="1800" i="1" dirty="0" err="1">
+              <a:rPr lang="ru-RU" sz="1800" dirty="0" err="1">
                 <a:effectLst/>
                 <a:latin typeface="Times New Roman" panose="02020603050405020304" pitchFamily="18" charset="0"/>
                 <a:ea typeface="Calibri" panose="020F0502020204030204" pitchFamily="34" charset="0"/>
@@ -7077,7 +7020,7 @@
               <a:t>нм</a:t>
             </a:r>
             <a:r>
-              <a:rPr lang="ru-RU" sz="1800" i="1" dirty="0">
+              <a:rPr lang="ru-RU" sz="1800" dirty="0">
                 <a:effectLst/>
                 <a:latin typeface="Times New Roman" panose="02020603050405020304" pitchFamily="18" charset="0"/>
                 <a:ea typeface="Calibri" panose="020F0502020204030204" pitchFamily="34" charset="0"/>
@@ -7086,7 +7029,7 @@
               <a:t>, 4,1 мВт) с указанием пиков (а) Кластер а, (б) частица б, (в) частица </a:t>
             </a:r>
             <a:r>
-              <a:rPr lang="ru-RU" sz="1800" i="1" dirty="0" err="1">
+              <a:rPr lang="ru-RU" sz="1800" dirty="0" err="1">
                 <a:effectLst/>
                 <a:latin typeface="Times New Roman" panose="02020603050405020304" pitchFamily="18" charset="0"/>
                 <a:ea typeface="Calibri" panose="020F0502020204030204" pitchFamily="34" charset="0"/>
@@ -7095,7 +7038,7 @@
               <a:t>пв</a:t>
             </a:r>
             <a:r>
-              <a:rPr lang="ru-RU" sz="1800" i="1" dirty="0">
+              <a:rPr lang="ru-RU" sz="1800" dirty="0">
                 <a:effectLst/>
                 <a:latin typeface="Times New Roman" panose="02020603050405020304" pitchFamily="18" charset="0"/>
                 <a:ea typeface="Calibri" panose="020F0502020204030204" pitchFamily="34" charset="0"/>
@@ -7103,12 +7046,6 @@
               </a:rPr>
               <a:t>, (г) частица г, (д) частица д.</a:t>
             </a:r>
-            <a:endParaRPr lang="ru-RU" sz="1800" dirty="0">
-              <a:effectLst/>
-              <a:latin typeface="Times New Roman" panose="02020603050405020304" pitchFamily="18" charset="0"/>
-              <a:ea typeface="Calibri" panose="020F0502020204030204" pitchFamily="34" charset="0"/>
-              <a:cs typeface="Times New Roman" panose="02020603050405020304" pitchFamily="18" charset="0"/>
-            </a:endParaRPr>
           </a:p>
         </p:txBody>
       </p:sp>
